--- a/StoreSalesForecasting.pptx
+++ b/StoreSalesForecasting.pptx
@@ -273,7 +273,7 @@
       </p15:sldGuideLst>
     </p:ext>
     <p:ext uri="GoogleSlidesCustomDataVersion2">
-      <go:slidesCustomData xmlns="" xmlns:mc="http://schemas.openxmlformats.org/markup-compatibility/2006" xmlns:mv="urn:schemas-microsoft-com:mac:vml" xmlns:c="http://schemas.openxmlformats.org/drawingml/2006/chart" xmlns:dgm="http://schemas.openxmlformats.org/drawingml/2006/diagram" xmlns:o="urn:schemas-microsoft-com:office:office" xmlns:v="urn:schemas-microsoft-com:vml" xmlns:pvml="urn:schemas-microsoft-com:office:powerpoint" xmlns:com="http://schemas.openxmlformats.org/drawingml/2006/compatibility" xmlns:p14="http://schemas.microsoft.com/office/powerpoint/2010/main" xmlns:p15="http://schemas.microsoft.com/office/powerpoint/2012/main" xmlns:ahyp="http://schemas.microsoft.com/office/drawing/2018/hyperlinkcolor" xmlns:go="http://customooxmlschemas.google.com/" r:id="rId13" roundtripDataSignature="AMtx7mg7VovMqRdkUl2AGxj8Itw97Xorlg=="/>
+      <go:slidesCustomData xmlns:go="http://customooxmlschemas.google.com/" xmlns:ahyp="http://schemas.microsoft.com/office/drawing/2018/hyperlinkcolor" xmlns:p15="http://schemas.microsoft.com/office/powerpoint/2012/main" xmlns:p14="http://schemas.microsoft.com/office/powerpoint/2010/main" xmlns:com="http://schemas.openxmlformats.org/drawingml/2006/compatibility" xmlns:pvml="urn:schemas-microsoft-com:office:powerpoint" xmlns:v="urn:schemas-microsoft-com:vml" xmlns:o="urn:schemas-microsoft-com:office:office" xmlns:dgm="http://schemas.openxmlformats.org/drawingml/2006/diagram" xmlns:c="http://schemas.openxmlformats.org/drawingml/2006/chart" xmlns:mv="urn:schemas-microsoft-com:mac:vml" xmlns:mc="http://schemas.openxmlformats.org/markup-compatibility/2006" xmlns="" r:id="rId13" roundtripDataSignature="AMtx7mg7VovMqRdkUl2AGxj8Itw97Xorlg=="/>
     </p:ext>
   </p:extLst>
 </p:presentation>
@@ -6948,103 +6948,72 @@
           <a:bodyPr spcFirstLastPara="1" wrap="square" lIns="91425" tIns="91425" rIns="91425" bIns="91425" anchor="t" anchorCtr="0">
             <a:noAutofit/>
           </a:bodyPr>
-          <a:lstStyle/>
-          <a:p>
-            <a:pPr marL="0" lvl="0" indent="0" algn="l" rtl="0">
-              <a:spcBef>
-                <a:spcPts val="0"/>
-              </a:spcBef>
-              <a:spcAft>
-                <a:spcPts val="0"/>
-              </a:spcAft>
-              <a:buNone/>
-            </a:pPr>
-            <a:r>
-              <a:rPr lang="en-US" sz="1200" dirty="0">
+          <a:lstStyle>
+            <a:defPPr marR="0" lvl="0" algn="l" rtl="0">
+              <a:lnSpc>
+                <a:spcPct val="100000"/>
+              </a:lnSpc>
+              <a:spcBef>
+                <a:spcPts val="0"/>
+              </a:spcBef>
+              <a:spcAft>
+                <a:spcPts val="0"/>
+              </a:spcAft>
+            </a:defPPr>
+            <a:lvl1pPr marL="0" indent="0">
+              <a:buNone/>
+              <a:defRPr sz="1200">
                 <a:latin typeface="Proxima Nova"/>
                 <a:ea typeface="Proxima Nova"/>
                 <a:cs typeface="Proxima Nova"/>
+              </a:defRPr>
+            </a:lvl1pPr>
+          </a:lstStyle>
+          <a:p>
+            <a:r>
+              <a:rPr lang="en-US" dirty="0">
                 <a:sym typeface="Proxima Nova"/>
               </a:rPr>
               <a:t>The competition is to Forecast store sales on data from </a:t>
             </a:r>
             <a:r>
-              <a:rPr lang="en-US" sz="1200" dirty="0" err="1">
-                <a:latin typeface="Proxima Nova"/>
-                <a:ea typeface="Proxima Nova"/>
-                <a:cs typeface="Proxima Nova"/>
+              <a:rPr lang="en-US" dirty="0" err="1">
                 <a:sym typeface="Proxima Nova"/>
               </a:rPr>
               <a:t>Corporación</a:t>
             </a:r>
             <a:r>
-              <a:rPr lang="en-US" sz="1200" dirty="0">
-                <a:latin typeface="Proxima Nova"/>
-                <a:ea typeface="Proxima Nova"/>
-                <a:cs typeface="Proxima Nova"/>
+              <a:rPr lang="en-US" dirty="0">
                 <a:sym typeface="Proxima Nova"/>
               </a:rPr>
               <a:t> </a:t>
             </a:r>
             <a:r>
-              <a:rPr lang="en-US" sz="1200" dirty="0" err="1">
-                <a:latin typeface="Proxima Nova"/>
-                <a:ea typeface="Proxima Nova"/>
-                <a:cs typeface="Proxima Nova"/>
+              <a:rPr lang="en-US" dirty="0" err="1">
                 <a:sym typeface="Proxima Nova"/>
               </a:rPr>
               <a:t>Favorita</a:t>
             </a:r>
             <a:r>
-              <a:rPr lang="en-US" sz="1200" dirty="0">
-                <a:latin typeface="Proxima Nova"/>
-                <a:ea typeface="Proxima Nova"/>
-                <a:cs typeface="Proxima Nova"/>
+              <a:rPr lang="en-US" dirty="0">
                 <a:sym typeface="Proxima Nova"/>
               </a:rPr>
               <a:t>, a large Ecuadorian-based grocery retailer.</a:t>
             </a:r>
           </a:p>
           <a:p>
-            <a:pPr marL="0" lvl="0" indent="0" algn="l" rtl="0">
-              <a:spcBef>
-                <a:spcPts val="0"/>
-              </a:spcBef>
-              <a:spcAft>
-                <a:spcPts val="0"/>
-              </a:spcAft>
-              <a:buNone/>
-            </a:pPr>
-            <a:endParaRPr lang="en-US" sz="1200" dirty="0">
-              <a:latin typeface="Proxima Nova"/>
-              <a:ea typeface="Proxima Nova"/>
-              <a:cs typeface="Proxima Nova"/>
+            <a:endParaRPr lang="en-US" dirty="0">
               <a:sym typeface="Proxima Nova"/>
             </a:endParaRPr>
           </a:p>
           <a:p>
-            <a:pPr marL="0" lvl="0" indent="0" algn="l" rtl="0">
-              <a:spcBef>
-                <a:spcPts val="0"/>
-              </a:spcBef>
-              <a:spcAft>
-                <a:spcPts val="0"/>
-              </a:spcAft>
-              <a:buNone/>
-            </a:pPr>
-            <a:r>
-              <a:rPr lang="en-US" sz="1200" dirty="0">
-                <a:latin typeface="Proxima Nova"/>
-                <a:ea typeface="Proxima Nova"/>
-                <a:cs typeface="Proxima Nova"/>
+            <a:r>
+              <a:rPr lang="en-US" dirty="0">
                 <a:sym typeface="Proxima Nova"/>
               </a:rPr>
               <a:t>Forecasting inventory is critical for retailers. Having too much inventory takes up useful shelf space and produce can go bad. Having too less inventory can mean a loss of sale and customer. Inventory supply chain is complex, and retailers must place orders with suppliers several months in advance so the cost of under or over ordering can be staggering</a:t>
             </a:r>
-            <a:endParaRPr sz="1200" dirty="0">
-              <a:latin typeface="Proxima Nova"/>
-              <a:ea typeface="Proxima Nova"/>
-              <a:cs typeface="Proxima Nova"/>
+            <a:endParaRPr dirty="0">
               <a:sym typeface="Proxima Nova"/>
             </a:endParaRPr>
           </a:p>
@@ -7058,8 +7027,8 @@
         </p:nvSpPr>
         <p:spPr>
           <a:xfrm>
-            <a:off x="4061700" y="1757650"/>
-            <a:ext cx="2297100" cy="1806000"/>
+            <a:off x="3768275" y="1479225"/>
+            <a:ext cx="2977825" cy="2705650"/>
           </a:xfrm>
           <a:prstGeom prst="rect">
             <a:avLst/>
@@ -7075,28 +7044,55 @@
           </a:bodyPr>
           <a:lstStyle/>
           <a:p>
-            <a:pPr marL="0" lvl="0" indent="0" algn="l" rtl="0">
-              <a:spcBef>
-                <a:spcPts val="0"/>
-              </a:spcBef>
-              <a:spcAft>
-                <a:spcPts val="0"/>
-              </a:spcAft>
-              <a:buNone/>
-            </a:pPr>
-            <a:r>
-              <a:rPr lang="en-US">
+            <a:pPr lvl="0"/>
+            <a:r>
+              <a:rPr lang="en-US" sz="1200" dirty="0">
                 <a:latin typeface="Proxima Nova"/>
-                <a:ea typeface="Proxima Nova"/>
-                <a:cs typeface="Proxima Nova"/>
-                <a:sym typeface="Proxima Nova"/>
               </a:rPr>
-              <a:t>Your text here</a:t>
-            </a:r>
-            <a:endParaRPr>
+              <a:t>Predict the unit sales for thousands of items sold at different stores for the next 15 days </a:t>
+            </a:r>
+          </a:p>
+          <a:p>
+            <a:pPr lvl="0"/>
+            <a:endParaRPr lang="en-US" sz="1200" dirty="0">
               <a:latin typeface="Proxima Nova"/>
-              <a:ea typeface="Proxima Nova"/>
-              <a:cs typeface="Proxima Nova"/>
+            </a:endParaRPr>
+          </a:p>
+          <a:p>
+            <a:pPr lvl="0"/>
+            <a:r>
+              <a:rPr lang="en-US" sz="1200" dirty="0">
+                <a:latin typeface="Proxima Nova"/>
+              </a:rPr>
+              <a:t>Prediction needs to be done at the day, store # and item family level</a:t>
+            </a:r>
+          </a:p>
+          <a:p>
+            <a:pPr lvl="0"/>
+            <a:endParaRPr lang="en-US" sz="1200" dirty="0">
+              <a:latin typeface="Proxima Nova"/>
+            </a:endParaRPr>
+          </a:p>
+          <a:p>
+            <a:pPr lvl="0"/>
+            <a:r>
+              <a:rPr lang="en-US" sz="1200" dirty="0">
+                <a:latin typeface="Proxima Nova"/>
+              </a:rPr>
+              <a:t>We know how many items in that store are on promotion for that item family </a:t>
+            </a:r>
+          </a:p>
+          <a:p>
+            <a:pPr lvl="0"/>
+            <a:endParaRPr lang="en-US" sz="1200" dirty="0">
+              <a:latin typeface="Proxima Nova"/>
+              <a:sym typeface="Proxima Nova"/>
+            </a:endParaRPr>
+          </a:p>
+          <a:p>
+            <a:pPr lvl="0"/>
+            <a:endParaRPr sz="1200" dirty="0">
+              <a:latin typeface="Proxima Nova"/>
               <a:sym typeface="Proxima Nova"/>
             </a:endParaRPr>
           </a:p>
@@ -7110,8 +7106,8 @@
         </p:nvSpPr>
         <p:spPr>
           <a:xfrm>
-            <a:off x="871025" y="5196000"/>
-            <a:ext cx="2297100" cy="1806000"/>
+            <a:off x="532175" y="4777075"/>
+            <a:ext cx="3023250" cy="2788375"/>
           </a:xfrm>
           <a:prstGeom prst="rect">
             <a:avLst/>
@@ -7127,25 +7123,128 @@
           </a:bodyPr>
           <a:lstStyle/>
           <a:p>
-            <a:pPr marL="0" lvl="0" indent="0" algn="l" rtl="0">
-              <a:spcBef>
-                <a:spcPts val="0"/>
-              </a:spcBef>
-              <a:spcAft>
-                <a:spcPts val="0"/>
-              </a:spcAft>
-              <a:buNone/>
+            <a:pPr marL="171450" lvl="0" indent="-171450" algn="l" rtl="0">
+              <a:spcBef>
+                <a:spcPts val="0"/>
+              </a:spcBef>
+              <a:spcAft>
+                <a:spcPts val="0"/>
+              </a:spcAft>
+              <a:buFont typeface="Arial" panose="020B0604020202020204" pitchFamily="34" charset="0"/>
+              <a:buChar char="•"/>
             </a:pPr>
             <a:r>
-              <a:rPr lang="en-US">
+              <a:rPr lang="en-US" sz="1200" dirty="0">
                 <a:latin typeface="Proxima Nova"/>
                 <a:ea typeface="Proxima Nova"/>
                 <a:cs typeface="Proxima Nova"/>
                 <a:sym typeface="Proxima Nova"/>
               </a:rPr>
-              <a:t>Your text here</a:t>
-            </a:r>
-            <a:endParaRPr>
+              <a:t>Holidays: Created indicators for national, regional and local holidays that impact store sales</a:t>
+            </a:r>
+          </a:p>
+          <a:p>
+            <a:pPr marL="171450" lvl="0" indent="-171450" algn="l" rtl="0">
+              <a:spcBef>
+                <a:spcPts val="0"/>
+              </a:spcBef>
+              <a:spcAft>
+                <a:spcPts val="0"/>
+              </a:spcAft>
+              <a:buFont typeface="Arial" panose="020B0604020202020204" pitchFamily="34" charset="0"/>
+              <a:buChar char="•"/>
+            </a:pPr>
+            <a:r>
+              <a:rPr lang="en-US" sz="1200" dirty="0">
+                <a:latin typeface="Proxima Nova"/>
+                <a:ea typeface="Proxima Nova"/>
+                <a:cs typeface="Proxima Nova"/>
+                <a:sym typeface="Proxima Nova"/>
+              </a:rPr>
+              <a:t>Wages: Created a data set for days when wages are typically paid (15</a:t>
+            </a:r>
+            <a:r>
+              <a:rPr lang="en-US" sz="1200" baseline="30000" dirty="0">
+                <a:latin typeface="Proxima Nova"/>
+                <a:ea typeface="Proxima Nova"/>
+                <a:cs typeface="Proxima Nova"/>
+                <a:sym typeface="Proxima Nova"/>
+              </a:rPr>
+              <a:t>th</a:t>
+            </a:r>
+            <a:r>
+              <a:rPr lang="en-US" sz="1200" dirty="0">
+                <a:latin typeface="Proxima Nova"/>
+                <a:ea typeface="Proxima Nova"/>
+                <a:cs typeface="Proxima Nova"/>
+                <a:sym typeface="Proxima Nova"/>
+              </a:rPr>
+              <a:t> and last day of month)</a:t>
+            </a:r>
+          </a:p>
+          <a:p>
+            <a:pPr marL="171450" lvl="0" indent="-171450" algn="l" rtl="0">
+              <a:spcBef>
+                <a:spcPts val="0"/>
+              </a:spcBef>
+              <a:spcAft>
+                <a:spcPts val="0"/>
+              </a:spcAft>
+              <a:buFont typeface="Arial" panose="020B0604020202020204" pitchFamily="34" charset="0"/>
+              <a:buChar char="•"/>
+            </a:pPr>
+            <a:r>
+              <a:rPr lang="en-US" sz="1200" dirty="0">
+                <a:latin typeface="Proxima Nova"/>
+                <a:ea typeface="Proxima Nova"/>
+                <a:cs typeface="Proxima Nova"/>
+                <a:sym typeface="Proxima Nova"/>
+              </a:rPr>
+              <a:t>Oil: Missing values were filled using backward fill</a:t>
+            </a:r>
+          </a:p>
+          <a:p>
+            <a:pPr marL="171450" lvl="0" indent="-171450" algn="l" rtl="0">
+              <a:spcBef>
+                <a:spcPts val="0"/>
+              </a:spcBef>
+              <a:spcAft>
+                <a:spcPts val="0"/>
+              </a:spcAft>
+              <a:buFont typeface="Arial" panose="020B0604020202020204" pitchFamily="34" charset="0"/>
+              <a:buChar char="•"/>
+            </a:pPr>
+            <a:r>
+              <a:rPr lang="en-US" sz="1200" dirty="0">
+                <a:latin typeface="Proxima Nova"/>
+                <a:ea typeface="Proxima Nova"/>
+                <a:cs typeface="Proxima Nova"/>
+                <a:sym typeface="Proxima Nova"/>
+              </a:rPr>
+              <a:t>Categorical variables: Used one hot encoding</a:t>
+            </a:r>
+          </a:p>
+          <a:p>
+            <a:pPr marL="171450" lvl="0" indent="-171450" algn="l" rtl="0">
+              <a:spcBef>
+                <a:spcPts val="0"/>
+              </a:spcBef>
+              <a:spcAft>
+                <a:spcPts val="0"/>
+              </a:spcAft>
+              <a:buFont typeface="Arial" panose="020B0604020202020204" pitchFamily="34" charset="0"/>
+              <a:buChar char="•"/>
+            </a:pPr>
+            <a:r>
+              <a:rPr lang="en-US" sz="1200" dirty="0">
+                <a:latin typeface="Proxima Nova"/>
+                <a:ea typeface="Proxima Nova"/>
+                <a:cs typeface="Proxima Nova"/>
+                <a:sym typeface="Proxima Nova"/>
+              </a:rPr>
+              <a:t>Date: Converted date to year, month, day and day of week. Then used one hot encoding to treat them as categorical variables</a:t>
+            </a:r>
+            <a:endParaRPr sz="1200" dirty="0">
               <a:latin typeface="Proxima Nova"/>
               <a:ea typeface="Proxima Nova"/>
               <a:cs typeface="Proxima Nova"/>
@@ -7537,18 +7636,19 @@
                 <a:cs typeface="Proxima Nova"/>
                 <a:sym typeface="Proxima Nova"/>
               </a:rPr>
-              <a:t>Prophet Model RMSE on Training set: 1052.09</a:t>
-            </a:r>
-          </a:p>
-          <a:p>
-            <a:pPr marL="0" lvl="0" indent="0" algn="l" rtl="0">
-              <a:spcBef>
-                <a:spcPts val="0"/>
-              </a:spcBef>
-              <a:spcAft>
-                <a:spcPts val="0"/>
-              </a:spcAft>
-              <a:buNone/>
+              <a:t>Training Dataset RMSE:</a:t>
+            </a:r>
+          </a:p>
+          <a:p>
+            <a:pPr marL="171450" lvl="0" indent="-171450" algn="l" rtl="0">
+              <a:spcBef>
+                <a:spcPts val="0"/>
+              </a:spcBef>
+              <a:spcAft>
+                <a:spcPts val="0"/>
+              </a:spcAft>
+              <a:buFont typeface="Arial" panose="020B0604020202020204" pitchFamily="34" charset="0"/>
+              <a:buChar char="•"/>
             </a:pPr>
             <a:r>
               <a:rPr lang="en-US" sz="1200" dirty="0">
@@ -7557,18 +7657,19 @@
                 <a:cs typeface="Proxima Nova"/>
                 <a:sym typeface="Proxima Nova"/>
               </a:rPr>
-              <a:t>RFR RMSE on Training set: 923.51</a:t>
-            </a:r>
-          </a:p>
-          <a:p>
-            <a:pPr marL="0" lvl="0" indent="0" algn="l" rtl="0">
-              <a:spcBef>
-                <a:spcPts val="0"/>
-              </a:spcBef>
-              <a:spcAft>
-                <a:spcPts val="0"/>
-              </a:spcAft>
-              <a:buNone/>
+              <a:t>Prophet Model: 1052.09</a:t>
+            </a:r>
+          </a:p>
+          <a:p>
+            <a:pPr marL="171450" lvl="0" indent="-171450" algn="l" rtl="0">
+              <a:spcBef>
+                <a:spcPts val="0"/>
+              </a:spcBef>
+              <a:spcAft>
+                <a:spcPts val="0"/>
+              </a:spcAft>
+              <a:buFont typeface="Arial" panose="020B0604020202020204" pitchFamily="34" charset="0"/>
+              <a:buChar char="•"/>
             </a:pPr>
             <a:r>
               <a:rPr lang="en-US" sz="1200" dirty="0">
@@ -7577,7 +7678,28 @@
                 <a:cs typeface="Proxima Nova"/>
                 <a:sym typeface="Proxima Nova"/>
               </a:rPr>
-              <a:t>XGBR RMSE on Training set: 578.40</a:t>
+              <a:t>RFR: 923.51</a:t>
+            </a:r>
+          </a:p>
+          <a:p>
+            <a:pPr marL="171450" lvl="0" indent="-171450" algn="l" rtl="0">
+              <a:spcBef>
+                <a:spcPts val="0"/>
+              </a:spcBef>
+              <a:spcAft>
+                <a:spcPts val="0"/>
+              </a:spcAft>
+              <a:buFont typeface="Arial" panose="020B0604020202020204" pitchFamily="34" charset="0"/>
+              <a:buChar char="•"/>
+            </a:pPr>
+            <a:r>
+              <a:rPr lang="en-US" sz="1200" dirty="0">
+                <a:latin typeface="Proxima Nova"/>
+                <a:ea typeface="Proxima Nova"/>
+                <a:cs typeface="Proxima Nova"/>
+                <a:sym typeface="Proxima Nova"/>
+              </a:rPr>
+              <a:t>XGBR: 578.40</a:t>
             </a:r>
           </a:p>
           <a:p>
@@ -7598,15 +7720,6 @@
             </a:endParaRPr>
           </a:p>
           <a:p>
-            <a:pPr marL="0" lvl="0" indent="0" algn="l" rtl="0">
-              <a:spcBef>
-                <a:spcPts val="0"/>
-              </a:spcBef>
-              <a:spcAft>
-                <a:spcPts val="0"/>
-              </a:spcAft>
-              <a:buNone/>
-            </a:pPr>
             <a:r>
               <a:rPr lang="en-US" sz="1200" dirty="0">
                 <a:latin typeface="Proxima Nova"/>
@@ -7614,18 +7727,19 @@
                 <a:cs typeface="Proxima Nova"/>
                 <a:sym typeface="Proxima Nova"/>
               </a:rPr>
-              <a:t>RFR RMSE on Validation set: 918.96</a:t>
-            </a:r>
-          </a:p>
-          <a:p>
-            <a:pPr marL="0" lvl="0" indent="0" algn="l" rtl="0">
-              <a:spcBef>
-                <a:spcPts val="0"/>
-              </a:spcBef>
-              <a:spcAft>
-                <a:spcPts val="0"/>
-              </a:spcAft>
-              <a:buNone/>
+              <a:t>Validation Dataset RMSE:</a:t>
+            </a:r>
+          </a:p>
+          <a:p>
+            <a:pPr marL="171450" lvl="0" indent="-171450" algn="l" rtl="0">
+              <a:spcBef>
+                <a:spcPts val="0"/>
+              </a:spcBef>
+              <a:spcAft>
+                <a:spcPts val="0"/>
+              </a:spcAft>
+              <a:buFont typeface="Arial" panose="020B0604020202020204" pitchFamily="34" charset="0"/>
+              <a:buChar char="•"/>
             </a:pPr>
             <a:r>
               <a:rPr lang="en-US" sz="1200" dirty="0">
@@ -7634,7 +7748,28 @@
                 <a:cs typeface="Proxima Nova"/>
                 <a:sym typeface="Proxima Nova"/>
               </a:rPr>
-              <a:t>XGBR RMSE on Validation set: 565.24</a:t>
+              <a:t>RFR: 918.96</a:t>
+            </a:r>
+          </a:p>
+          <a:p>
+            <a:pPr marL="171450" lvl="0" indent="-171450" algn="l" rtl="0">
+              <a:spcBef>
+                <a:spcPts val="0"/>
+              </a:spcBef>
+              <a:spcAft>
+                <a:spcPts val="0"/>
+              </a:spcAft>
+              <a:buFont typeface="Arial" panose="020B0604020202020204" pitchFamily="34" charset="0"/>
+              <a:buChar char="•"/>
+            </a:pPr>
+            <a:r>
+              <a:rPr lang="en-US" sz="1200" dirty="0">
+                <a:latin typeface="Proxima Nova"/>
+                <a:ea typeface="Proxima Nova"/>
+                <a:cs typeface="Proxima Nova"/>
+                <a:sym typeface="Proxima Nova"/>
+              </a:rPr>
+              <a:t>XGBR: 565.24</a:t>
             </a:r>
           </a:p>
           <a:p>
@@ -7816,6 +7951,190 @@
               <a:t>StoreSales_TimeSeriesForecasting</a:t>
             </a:r>
             <a:endParaRPr lang="en-US" sz="1050" dirty="0"/>
+          </a:p>
+        </p:txBody>
+      </p:sp>
+      <p:pic>
+        <p:nvPicPr>
+          <p:cNvPr id="3" name="Picture 2">
+            <a:extLst>
+              <a:ext uri="{FF2B5EF4-FFF2-40B4-BE49-F238E27FC236}">
+                <a16:creationId xmlns:a16="http://schemas.microsoft.com/office/drawing/2014/main" id="{999B38A7-7F2E-A33F-9A0B-04BFFD9B95C0}"/>
+              </a:ext>
+            </a:extLst>
+          </p:cNvPr>
+          <p:cNvPicPr>
+            <a:picLocks noChangeAspect="1"/>
+          </p:cNvPicPr>
+          <p:nvPr/>
+        </p:nvPicPr>
+        <p:blipFill>
+          <a:blip r:embed="rId3"/>
+          <a:stretch>
+            <a:fillRect/>
+          </a:stretch>
+        </p:blipFill>
+        <p:spPr>
+          <a:xfrm>
+            <a:off x="3967263" y="3236995"/>
+            <a:ext cx="2448584" cy="861710"/>
+          </a:xfrm>
+          <a:prstGeom prst="rect">
+            <a:avLst/>
+          </a:prstGeom>
+        </p:spPr>
+      </p:pic>
+      <p:sp>
+        <p:nvSpPr>
+          <p:cNvPr id="4" name="Google Shape;87;g27b0cf3e03d_0_36">
+            <a:extLst>
+              <a:ext uri="{FF2B5EF4-FFF2-40B4-BE49-F238E27FC236}">
+                <a16:creationId xmlns:a16="http://schemas.microsoft.com/office/drawing/2014/main" id="{E3683BF4-FC1C-BE26-6040-5AA20096FED1}"/>
+              </a:ext>
+            </a:extLst>
+          </p:cNvPr>
+          <p:cNvSpPr txBox="1"/>
+          <p:nvPr/>
+        </p:nvSpPr>
+        <p:spPr>
+          <a:xfrm>
+            <a:off x="6909797" y="1354116"/>
+            <a:ext cx="2977825" cy="2761950"/>
+          </a:xfrm>
+          <a:prstGeom prst="rect">
+            <a:avLst/>
+          </a:prstGeom>
+          <a:noFill/>
+          <a:ln>
+            <a:noFill/>
+          </a:ln>
+        </p:spPr>
+        <p:txBody>
+          <a:bodyPr spcFirstLastPara="1" wrap="square" lIns="91425" tIns="91425" rIns="91425" bIns="91425" anchor="t" anchorCtr="0">
+            <a:noAutofit/>
+          </a:bodyPr>
+          <a:lstStyle/>
+          <a:p>
+            <a:pPr lvl="0"/>
+            <a:r>
+              <a:rPr lang="en-US" sz="1200" dirty="0">
+                <a:latin typeface="Proxima Nova"/>
+              </a:rPr>
+              <a:t>5 data files:</a:t>
+            </a:r>
+          </a:p>
+          <a:p>
+            <a:pPr marL="171450" lvl="0" indent="-171450">
+              <a:buFont typeface="Arial" panose="020B0604020202020204" pitchFamily="34" charset="0"/>
+              <a:buChar char="•"/>
+            </a:pPr>
+            <a:r>
+              <a:rPr lang="en-US" sz="1200" dirty="0">
+                <a:latin typeface="Proxima Nova"/>
+              </a:rPr>
+              <a:t>Train: Time series of features </a:t>
+            </a:r>
+            <a:r>
+              <a:rPr lang="en-US" sz="1200" dirty="0" err="1">
+                <a:latin typeface="Proxima Nova"/>
+              </a:rPr>
+              <a:t>store_nbr</a:t>
+            </a:r>
+            <a:r>
+              <a:rPr lang="en-US" sz="1200" dirty="0">
+                <a:latin typeface="Proxima Nova"/>
+              </a:rPr>
+              <a:t>,  family, and </a:t>
+            </a:r>
+            <a:r>
+              <a:rPr lang="en-US" sz="1200" dirty="0" err="1">
+                <a:latin typeface="Proxima Nova"/>
+              </a:rPr>
+              <a:t>onpromotion</a:t>
+            </a:r>
+            <a:r>
+              <a:rPr lang="en-US" sz="1200" dirty="0">
+                <a:latin typeface="Proxima Nova"/>
+              </a:rPr>
+              <a:t> as well as the target variable sales</a:t>
+            </a:r>
+          </a:p>
+          <a:p>
+            <a:pPr marL="171450" lvl="0" indent="-171450">
+              <a:buFont typeface="Arial" panose="020B0604020202020204" pitchFamily="34" charset="0"/>
+              <a:buChar char="•"/>
+            </a:pPr>
+            <a:r>
+              <a:rPr lang="en-US" sz="1200" dirty="0">
+                <a:latin typeface="Proxima Nova"/>
+              </a:rPr>
+              <a:t>Test: Same as Train (excluding sales)</a:t>
+            </a:r>
+          </a:p>
+          <a:p>
+            <a:pPr marL="171450" lvl="0" indent="-171450">
+              <a:buFont typeface="Arial" panose="020B0604020202020204" pitchFamily="34" charset="0"/>
+              <a:buChar char="•"/>
+            </a:pPr>
+            <a:r>
+              <a:rPr lang="en-US" sz="1200" dirty="0">
+                <a:latin typeface="Proxima Nova"/>
+              </a:rPr>
+              <a:t>Stores: Store metadata including city, state, type, and cluster</a:t>
+            </a:r>
+          </a:p>
+          <a:p>
+            <a:pPr marL="171450" lvl="0" indent="-171450">
+              <a:buFont typeface="Arial" panose="020B0604020202020204" pitchFamily="34" charset="0"/>
+              <a:buChar char="•"/>
+            </a:pPr>
+            <a:r>
+              <a:rPr lang="en-US" sz="1200" dirty="0">
+                <a:latin typeface="Proxima Nova"/>
+              </a:rPr>
+              <a:t>Oil: Daily oil price. Ecuador is an oil-dependent country. Many missing values (~50 missing days)</a:t>
+            </a:r>
+          </a:p>
+          <a:p>
+            <a:pPr marL="171450" indent="-171450">
+              <a:buFont typeface="Arial" panose="020B0604020202020204" pitchFamily="34" charset="0"/>
+              <a:buChar char="•"/>
+            </a:pPr>
+            <a:r>
+              <a:rPr lang="en-US" sz="1200" dirty="0">
+                <a:latin typeface="Proxima Nova"/>
+              </a:rPr>
+              <a:t>Holidays: National, regional and local holidays and events, with metadata if holiday is extended or celebrated on a different day</a:t>
+            </a:r>
+          </a:p>
+          <a:p>
+            <a:pPr marL="171450" lvl="0" indent="-171450">
+              <a:buFont typeface="Arial" panose="020B0604020202020204" pitchFamily="34" charset="0"/>
+              <a:buChar char="•"/>
+            </a:pPr>
+            <a:endParaRPr lang="en-US" sz="1200" dirty="0">
+              <a:latin typeface="Proxima Nova"/>
+            </a:endParaRPr>
+          </a:p>
+          <a:p>
+            <a:pPr lvl="0"/>
+            <a:endParaRPr lang="en-US" sz="1200" dirty="0">
+              <a:latin typeface="Proxima Nova"/>
+            </a:endParaRPr>
+          </a:p>
+          <a:p>
+            <a:pPr lvl="0"/>
+            <a:endParaRPr lang="en-US" sz="1200" dirty="0">
+              <a:latin typeface="Proxima Nova"/>
+              <a:sym typeface="Proxima Nova"/>
+            </a:endParaRPr>
+          </a:p>
+          <a:p>
+            <a:pPr lvl="0"/>
+            <a:endParaRPr sz="1200" dirty="0">
+              <a:latin typeface="Proxima Nova"/>
+              <a:sym typeface="Proxima Nova"/>
+            </a:endParaRPr>
           </a:p>
         </p:txBody>
       </p:sp>
